--- a/doc/präsentation.pptx
+++ b/doc/präsentation.pptx
@@ -113,6 +113,11 @@
       </a:defRPr>
     </a:lvl9pPr>
   </p:defaultTextStyle>
+  <p:extLst>
+    <p:ext uri="{EFAFB233-063F-42B5-8137-9DF3F51BA10A}">
+      <p15:sldGuideLst xmlns:p15="http://schemas.microsoft.com/office/powerpoint/2012/main"/>
+    </p:ext>
+  </p:extLst>
 </p:presentation>
 </file>
 
@@ -20819,7 +20824,7 @@
           <a:p>
             <a:r>
               <a:rPr lang="de-DE" dirty="0"/>
-              <a:t>Grundstruktur</a:t>
+              <a:t>Struktur</a:t>
             </a:r>
           </a:p>
           <a:p>
@@ -21210,36 +21215,6 @@
           </a:p>
         </p:txBody>
       </p:sp>
-      <p:pic>
-        <p:nvPicPr>
-          <p:cNvPr id="7" name="Grafik 6">
-            <a:extLst>
-              <a:ext uri="{FF2B5EF4-FFF2-40B4-BE49-F238E27FC236}">
-                <a16:creationId xmlns:a16="http://schemas.microsoft.com/office/drawing/2014/main" id="{6B0A3C13-72D9-40FF-9685-36BDF3C11571}"/>
-              </a:ext>
-            </a:extLst>
-          </p:cNvPr>
-          <p:cNvPicPr>
-            <a:picLocks noChangeAspect="1"/>
-          </p:cNvPicPr>
-          <p:nvPr/>
-        </p:nvPicPr>
-        <p:blipFill>
-          <a:blip r:embed="rId2"/>
-          <a:stretch>
-            <a:fillRect/>
-          </a:stretch>
-        </p:blipFill>
-        <p:spPr>
-          <a:xfrm>
-            <a:off x="7598278" y="2084832"/>
-            <a:ext cx="3145922" cy="1193535"/>
-          </a:xfrm>
-          <a:prstGeom prst="rect">
-            <a:avLst/>
-          </a:prstGeom>
-        </p:spPr>
-      </p:pic>
     </p:spTree>
     <p:extLst>
       <p:ext uri="{BB962C8B-B14F-4D97-AF65-F5344CB8AC3E}">
@@ -21323,7 +21298,7 @@
                             </p:stCondLst>
                             <p:childTnLst>
                               <p:par>
-                                <p:cTn id="9" presetID="22" presetClass="entr" presetSubtype="4" fill="hold" nodeType="clickEffect">
+                                <p:cTn id="9" presetID="1" presetClass="entr" presetSubtype="0" fill="hold" nodeType="clickEffect">
                                   <p:stCondLst>
                                     <p:cond delay="0"/>
                                   </p:stCondLst>
@@ -21331,59 +21306,6 @@
                                     <p:set>
                                       <p:cBhvr>
                                         <p:cTn id="10" dur="1" fill="hold">
-                                          <p:stCondLst>
-                                            <p:cond delay="0"/>
-                                          </p:stCondLst>
-                                        </p:cTn>
-                                        <p:tgtEl>
-                                          <p:spTgt spid="7"/>
-                                        </p:tgtEl>
-                                        <p:attrNameLst>
-                                          <p:attrName>style.visibility</p:attrName>
-                                        </p:attrNameLst>
-                                      </p:cBhvr>
-                                      <p:to>
-                                        <p:strVal val="visible"/>
-                                      </p:to>
-                                    </p:set>
-                                    <p:animEffect transition="in" filter="wipe(down)">
-                                      <p:cBhvr>
-                                        <p:cTn id="11" dur="500"/>
-                                        <p:tgtEl>
-                                          <p:spTgt spid="7"/>
-                                        </p:tgtEl>
-                                      </p:cBhvr>
-                                    </p:animEffect>
-                                  </p:childTnLst>
-                                </p:cTn>
-                              </p:par>
-                            </p:childTnLst>
-                          </p:cTn>
-                        </p:par>
-                      </p:childTnLst>
-                    </p:cTn>
-                  </p:par>
-                  <p:par>
-                    <p:cTn id="12" fill="hold">
-                      <p:stCondLst>
-                        <p:cond delay="indefinite"/>
-                      </p:stCondLst>
-                      <p:childTnLst>
-                        <p:par>
-                          <p:cTn id="13" fill="hold">
-                            <p:stCondLst>
-                              <p:cond delay="0"/>
-                            </p:stCondLst>
-                            <p:childTnLst>
-                              <p:par>
-                                <p:cTn id="14" presetID="1" presetClass="entr" presetSubtype="0" fill="hold" nodeType="clickEffect">
-                                  <p:stCondLst>
-                                    <p:cond delay="0"/>
-                                  </p:stCondLst>
-                                  <p:childTnLst>
-                                    <p:set>
-                                      <p:cBhvr>
-                                        <p:cTn id="15" dur="1" fill="hold">
                                           <p:stCondLst>
                                             <p:cond delay="0"/>
                                           </p:stCondLst>
@@ -21413,26 +21335,26 @@
                     </p:cTn>
                   </p:par>
                   <p:par>
-                    <p:cTn id="16" fill="hold">
+                    <p:cTn id="11" fill="hold">
                       <p:stCondLst>
                         <p:cond delay="indefinite"/>
                       </p:stCondLst>
                       <p:childTnLst>
                         <p:par>
-                          <p:cTn id="17" fill="hold">
+                          <p:cTn id="12" fill="hold">
                             <p:stCondLst>
                               <p:cond delay="0"/>
                             </p:stCondLst>
                             <p:childTnLst>
                               <p:par>
-                                <p:cTn id="18" presetID="1" presetClass="entr" presetSubtype="0" fill="hold" nodeType="clickEffect">
+                                <p:cTn id="13" presetID="1" presetClass="entr" presetSubtype="0" fill="hold" nodeType="clickEffect">
                                   <p:stCondLst>
                                     <p:cond delay="0"/>
                                   </p:stCondLst>
                                   <p:childTnLst>
                                     <p:set>
                                       <p:cBhvr>
-                                        <p:cTn id="19" dur="1" fill="hold">
+                                        <p:cTn id="14" dur="1" fill="hold">
                                           <p:stCondLst>
                                             <p:cond delay="0"/>
                                           </p:stCondLst>
@@ -21462,26 +21384,26 @@
                     </p:cTn>
                   </p:par>
                   <p:par>
-                    <p:cTn id="20" fill="hold">
+                    <p:cTn id="15" fill="hold">
                       <p:stCondLst>
                         <p:cond delay="indefinite"/>
                       </p:stCondLst>
                       <p:childTnLst>
                         <p:par>
-                          <p:cTn id="21" fill="hold">
+                          <p:cTn id="16" fill="hold">
                             <p:stCondLst>
                               <p:cond delay="0"/>
                             </p:stCondLst>
                             <p:childTnLst>
                               <p:par>
-                                <p:cTn id="22" presetID="1" presetClass="entr" presetSubtype="0" fill="hold" nodeType="clickEffect">
+                                <p:cTn id="17" presetID="1" presetClass="entr" presetSubtype="0" fill="hold" nodeType="clickEffect">
                                   <p:stCondLst>
                                     <p:cond delay="0"/>
                                   </p:stCondLst>
                                   <p:childTnLst>
                                     <p:set>
                                       <p:cBhvr>
-                                        <p:cTn id="23" dur="1" fill="hold">
+                                        <p:cTn id="18" dur="1" fill="hold">
                                           <p:stCondLst>
                                             <p:cond delay="0"/>
                                           </p:stCondLst>
@@ -21511,26 +21433,26 @@
                     </p:cTn>
                   </p:par>
                   <p:par>
-                    <p:cTn id="24" fill="hold">
+                    <p:cTn id="19" fill="hold">
                       <p:stCondLst>
                         <p:cond delay="indefinite"/>
                       </p:stCondLst>
                       <p:childTnLst>
                         <p:par>
-                          <p:cTn id="25" fill="hold">
+                          <p:cTn id="20" fill="hold">
                             <p:stCondLst>
                               <p:cond delay="0"/>
                             </p:stCondLst>
                             <p:childTnLst>
                               <p:par>
-                                <p:cTn id="26" presetID="1" presetClass="entr" presetSubtype="0" fill="hold" nodeType="clickEffect">
+                                <p:cTn id="21" presetID="1" presetClass="entr" presetSubtype="0" fill="hold" nodeType="clickEffect">
                                   <p:stCondLst>
                                     <p:cond delay="0"/>
                                   </p:stCondLst>
                                   <p:childTnLst>
                                     <p:set>
                                       <p:cBhvr>
-                                        <p:cTn id="27" dur="1" fill="hold">
+                                        <p:cTn id="22" dur="1" fill="hold">
                                           <p:stCondLst>
                                             <p:cond delay="0"/>
                                           </p:stCondLst>
